--- a/docs/160703 QCodes Tutorial.pptx
+++ b/docs/160703 QCodes Tutorial.pptx
@@ -3031,8 +3031,12 @@
           <a:lstStyle/>
           <a:p>
             <a:r>
+              <a:rPr lang="en-US" smtClean="0"/>
+              <a:t>Delft, July </a:t>
+            </a:r>
+            <a:r>
               <a:rPr lang="en-US" dirty="0" smtClean="0"/>
-              <a:t>July 4</a:t>
+              <a:t>4</a:t>
             </a:r>
             <a:r>
               <a:rPr lang="en-US" baseline="30000" dirty="0" smtClean="0"/>
@@ -3565,7 +3569,11 @@
           <a:p>
             <a:r>
               <a:rPr lang="en-US" dirty="0" smtClean="0"/>
-              <a:t>July 4</a:t>
+              <a:t>Delft, July </a:t>
+            </a:r>
+            <a:r>
+              <a:rPr lang="en-US" dirty="0" smtClean="0"/>
+              <a:t>4</a:t>
             </a:r>
             <a:r>
               <a:rPr lang="en-US" baseline="30000" dirty="0" smtClean="0"/>
